--- a/UNIDAD_1/SISTEMAS INTEGRADOS DE GESTIÓN (ERP).pptx
+++ b/UNIDAD_1/SISTEMAS INTEGRADOS DE GESTIÓN (ERP).pptx
@@ -9,6 +9,8 @@
     <p:sldId id="257" r:id="rId3"/>
     <p:sldId id="258" r:id="rId4"/>
     <p:sldId id="259" r:id="rId5"/>
+    <p:sldId id="260" r:id="rId6"/>
+    <p:sldId id="261" r:id="rId7"/>
   </p:sldIdLst>
   <p:sldSz cx="12192000" cy="6858000"/>
   <p:notesSz cx="6858000" cy="9144000"/>
@@ -837,7 +839,7 @@
           <a:p>
             <a:fld id="{E03C5FBE-A318-4878-A935-0CCC2BFD0281}" type="datetimeFigureOut">
               <a:rPr lang="es-MX" smtClean="0"/>
-              <a:t>11/02/2019</a:t>
+              <a:t>14/02/2019</a:t>
             </a:fld>
             <a:endParaRPr lang="es-MX"/>
           </a:p>
@@ -1088,7 +1090,7 @@
           <a:p>
             <a:fld id="{E03C5FBE-A318-4878-A935-0CCC2BFD0281}" type="datetimeFigureOut">
               <a:rPr lang="es-MX" smtClean="0"/>
-              <a:t>11/02/2019</a:t>
+              <a:t>14/02/2019</a:t>
             </a:fld>
             <a:endParaRPr lang="es-MX"/>
           </a:p>
@@ -1402,7 +1404,7 @@
           <a:p>
             <a:fld id="{E03C5FBE-A318-4878-A935-0CCC2BFD0281}" type="datetimeFigureOut">
               <a:rPr lang="es-MX" smtClean="0"/>
-              <a:t>11/02/2019</a:t>
+              <a:t>14/02/2019</a:t>
             </a:fld>
             <a:endParaRPr lang="es-MX"/>
           </a:p>
@@ -1743,7 +1745,7 @@
           <a:p>
             <a:fld id="{E03C5FBE-A318-4878-A935-0CCC2BFD0281}" type="datetimeFigureOut">
               <a:rPr lang="es-MX" smtClean="0"/>
-              <a:t>11/02/2019</a:t>
+              <a:t>14/02/2019</a:t>
             </a:fld>
             <a:endParaRPr lang="es-MX"/>
           </a:p>
@@ -2057,7 +2059,7 @@
           <a:p>
             <a:fld id="{E03C5FBE-A318-4878-A935-0CCC2BFD0281}" type="datetimeFigureOut">
               <a:rPr lang="es-MX" smtClean="0"/>
-              <a:t>11/02/2019</a:t>
+              <a:t>14/02/2019</a:t>
             </a:fld>
             <a:endParaRPr lang="es-MX"/>
           </a:p>
@@ -2450,7 +2452,7 @@
           <a:p>
             <a:fld id="{E03C5FBE-A318-4878-A935-0CCC2BFD0281}" type="datetimeFigureOut">
               <a:rPr lang="es-MX" smtClean="0"/>
-              <a:t>11/02/2019</a:t>
+              <a:t>14/02/2019</a:t>
             </a:fld>
             <a:endParaRPr lang="es-MX"/>
           </a:p>
@@ -2620,7 +2622,7 @@
           <a:p>
             <a:fld id="{E03C5FBE-A318-4878-A935-0CCC2BFD0281}" type="datetimeFigureOut">
               <a:rPr lang="es-MX" smtClean="0"/>
-              <a:t>11/02/2019</a:t>
+              <a:t>14/02/2019</a:t>
             </a:fld>
             <a:endParaRPr lang="es-MX"/>
           </a:p>
@@ -2800,7 +2802,7 @@
           <a:p>
             <a:fld id="{E03C5FBE-A318-4878-A935-0CCC2BFD0281}" type="datetimeFigureOut">
               <a:rPr lang="es-MX" smtClean="0"/>
-              <a:t>11/02/2019</a:t>
+              <a:t>14/02/2019</a:t>
             </a:fld>
             <a:endParaRPr lang="es-MX"/>
           </a:p>
@@ -2976,7 +2978,7 @@
           <a:p>
             <a:fld id="{E03C5FBE-A318-4878-A935-0CCC2BFD0281}" type="datetimeFigureOut">
               <a:rPr lang="es-MX" smtClean="0"/>
-              <a:t>11/02/2019</a:t>
+              <a:t>14/02/2019</a:t>
             </a:fld>
             <a:endParaRPr lang="es-MX"/>
           </a:p>
@@ -3223,7 +3225,7 @@
           <a:p>
             <a:fld id="{E03C5FBE-A318-4878-A935-0CCC2BFD0281}" type="datetimeFigureOut">
               <a:rPr lang="es-MX" smtClean="0"/>
-              <a:t>11/02/2019</a:t>
+              <a:t>14/02/2019</a:t>
             </a:fld>
             <a:endParaRPr lang="es-MX"/>
           </a:p>
@@ -3455,7 +3457,7 @@
           <a:p>
             <a:fld id="{E03C5FBE-A318-4878-A935-0CCC2BFD0281}" type="datetimeFigureOut">
               <a:rPr lang="es-MX" smtClean="0"/>
-              <a:t>11/02/2019</a:t>
+              <a:t>14/02/2019</a:t>
             </a:fld>
             <a:endParaRPr lang="es-MX"/>
           </a:p>
@@ -3829,7 +3831,7 @@
           <a:p>
             <a:fld id="{E03C5FBE-A318-4878-A935-0CCC2BFD0281}" type="datetimeFigureOut">
               <a:rPr lang="es-MX" smtClean="0"/>
-              <a:t>11/02/2019</a:t>
+              <a:t>14/02/2019</a:t>
             </a:fld>
             <a:endParaRPr lang="es-MX"/>
           </a:p>
@@ -3952,7 +3954,7 @@
           <a:p>
             <a:fld id="{E03C5FBE-A318-4878-A935-0CCC2BFD0281}" type="datetimeFigureOut">
               <a:rPr lang="es-MX" smtClean="0"/>
-              <a:t>11/02/2019</a:t>
+              <a:t>14/02/2019</a:t>
             </a:fld>
             <a:endParaRPr lang="es-MX"/>
           </a:p>
@@ -4047,7 +4049,7 @@
           <a:p>
             <a:fld id="{E03C5FBE-A318-4878-A935-0CCC2BFD0281}" type="datetimeFigureOut">
               <a:rPr lang="es-MX" smtClean="0"/>
-              <a:t>11/02/2019</a:t>
+              <a:t>14/02/2019</a:t>
             </a:fld>
             <a:endParaRPr lang="es-MX"/>
           </a:p>
@@ -4302,7 +4304,7 @@
           <a:p>
             <a:fld id="{E03C5FBE-A318-4878-A935-0CCC2BFD0281}" type="datetimeFigureOut">
               <a:rPr lang="es-MX" smtClean="0"/>
-              <a:t>11/02/2019</a:t>
+              <a:t>14/02/2019</a:t>
             </a:fld>
             <a:endParaRPr lang="es-MX"/>
           </a:p>
@@ -4565,7 +4567,7 @@
           <a:p>
             <a:fld id="{E03C5FBE-A318-4878-A935-0CCC2BFD0281}" type="datetimeFigureOut">
               <a:rPr lang="es-MX" smtClean="0"/>
-              <a:t>11/02/2019</a:t>
+              <a:t>14/02/2019</a:t>
             </a:fld>
             <a:endParaRPr lang="es-MX"/>
           </a:p>
@@ -5308,7 +5310,7 @@
           <a:p>
             <a:fld id="{E03C5FBE-A318-4878-A935-0CCC2BFD0281}" type="datetimeFigureOut">
               <a:rPr lang="es-MX" smtClean="0"/>
-              <a:t>11/02/2019</a:t>
+              <a:t>14/02/2019</a:t>
             </a:fld>
             <a:endParaRPr lang="es-MX"/>
           </a:p>
@@ -5844,8 +5846,8 @@
         </p:nvSpPr>
         <p:spPr>
           <a:xfrm>
-            <a:off x="1507066" y="2404534"/>
-            <a:ext cx="8641485" cy="1646302"/>
+            <a:off x="619898" y="601350"/>
+            <a:ext cx="8641485" cy="3883411"/>
           </a:xfrm>
         </p:spPr>
         <p:txBody>
@@ -5855,11 +5857,88 @@
             <a:pPr algn="ctr"/>
             <a:r>
               <a:rPr lang="es-MX" dirty="0"/>
-              <a:t>SISTEMAS INTEGRADOS DE GESTIÓN (ERP)</a:t>
-            </a:r>
-          </a:p>
-        </p:txBody>
-      </p:sp>
+              <a:t>SISTEMAS INTEGRADOS DE GESTIÓN (</a:t>
+            </a:r>
+            <a:r>
+              <a:rPr lang="es-MX" dirty="0" smtClean="0"/>
+              <a:t>EPR</a:t>
+            </a:r>
+            <a:r>
+              <a:rPr lang="es-MX" dirty="0" smtClean="0"/>
+              <a:t>)</a:t>
+            </a:r>
+            <a:br>
+              <a:rPr lang="es-MX" dirty="0" smtClean="0"/>
+            </a:br>
+            <a:r>
+              <a:rPr lang="es-MX" sz="2000" dirty="0" smtClean="0"/>
+              <a:t>Alumno: Ricardo Guadalupe Gomez Martínez.</a:t>
+            </a:r>
+            <a:br>
+              <a:rPr lang="es-MX" sz="2000" dirty="0" smtClean="0"/>
+            </a:br>
+            <a:r>
+              <a:rPr lang="es-MX" sz="2000" dirty="0" smtClean="0"/>
+              <a:t>Docente: Eduardo Flores Gallegos.</a:t>
+            </a:r>
+            <a:br>
+              <a:rPr lang="es-MX" sz="2000" dirty="0" smtClean="0"/>
+            </a:br>
+            <a:r>
+              <a:rPr lang="es-MX" sz="2000" dirty="0" smtClean="0"/>
+              <a:t/>
+            </a:r>
+            <a:br>
+              <a:rPr lang="es-MX" sz="2000" dirty="0" smtClean="0"/>
+            </a:br>
+            <a:endParaRPr lang="es-MX" dirty="0"/>
+          </a:p>
+        </p:txBody>
+      </p:sp>
+      <p:pic>
+        <p:nvPicPr>
+          <p:cNvPr id="3" name="Picture 123"/>
+          <p:cNvPicPr/>
+          <p:nvPr/>
+        </p:nvPicPr>
+        <p:blipFill>
+          <a:blip r:embed="rId2"/>
+          <a:stretch>
+            <a:fillRect/>
+          </a:stretch>
+        </p:blipFill>
+        <p:spPr>
+          <a:xfrm>
+            <a:off x="468357" y="5854020"/>
+            <a:ext cx="1405890" cy="793115"/>
+          </a:xfrm>
+          <a:prstGeom prst="rect">
+            <a:avLst/>
+          </a:prstGeom>
+        </p:spPr>
+      </p:pic>
+      <p:pic>
+        <p:nvPicPr>
+          <p:cNvPr id="4" name="Picture 121"/>
+          <p:cNvPicPr/>
+          <p:nvPr/>
+        </p:nvPicPr>
+        <p:blipFill>
+          <a:blip r:embed="rId3"/>
+          <a:stretch>
+            <a:fillRect/>
+          </a:stretch>
+        </p:blipFill>
+        <p:spPr>
+          <a:xfrm>
+            <a:off x="7576093" y="13340"/>
+            <a:ext cx="1685290" cy="588010"/>
+          </a:xfrm>
+          <a:prstGeom prst="rect">
+            <a:avLst/>
+          </a:prstGeom>
+        </p:spPr>
+      </p:pic>
     </p:spTree>
     <p:extLst>
       <p:ext uri="{BB962C8B-B14F-4D97-AF65-F5344CB8AC3E}">
@@ -5870,6 +5949,13 @@
   <p:clrMapOvr>
     <a:masterClrMapping/>
   </p:clrMapOvr>
+  <p:timing>
+    <p:tnLst>
+      <p:par>
+        <p:cTn id="1" dur="indefinite" restart="never" nodeType="tmRoot"/>
+      </p:par>
+    </p:tnLst>
+  </p:timing>
 </p:sld>
 </file>
 
@@ -5932,39 +6018,65 @@
           <a:lstStyle/>
           <a:p>
             <a:r>
+              <a:rPr lang="es-MX" i="1" dirty="0"/>
+              <a:t>Enterprise </a:t>
+            </a:r>
+            <a:r>
+              <a:rPr lang="es-MX" i="1" dirty="0" err="1"/>
+              <a:t>Resource</a:t>
+            </a:r>
+            <a:r>
+              <a:rPr lang="es-MX" i="1" dirty="0"/>
+              <a:t> </a:t>
+            </a:r>
+            <a:r>
+              <a:rPr lang="es-MX" i="1" dirty="0" err="1"/>
+              <a:t>Planning</a:t>
+            </a:r>
+            <a:r>
               <a:rPr lang="es-MX" dirty="0"/>
-              <a:t>Los sistemas ERP son sistemas de gestión de información que integran y </a:t>
+              <a:t>: se trata de </a:t>
             </a:r>
             <a:r>
               <a:rPr lang="es-MX" dirty="0" smtClean="0"/>
-              <a:t>automatizan muchas </a:t>
+              <a:t>los sistemas </a:t>
             </a:r>
             <a:r>
               <a:rPr lang="es-MX" dirty="0"/>
-              <a:t>de las prácticas de negocio asociadas con los aspectos operativos </a:t>
+              <a:t>de gestión integrados que permiten </a:t>
             </a:r>
             <a:r>
               <a:rPr lang="es-MX" dirty="0" smtClean="0"/>
-              <a:t>o productivos </a:t>
+              <a:t>dar soporte </a:t>
             </a:r>
             <a:r>
               <a:rPr lang="es-MX" dirty="0"/>
-              <a:t>de la empresa. Estos sistemas integran todo el software que necesita </a:t>
+              <a:t>a la totalidad de los procesos de </a:t>
             </a:r>
             <a:r>
               <a:rPr lang="es-MX" dirty="0" smtClean="0"/>
-              <a:t>una empresa </a:t>
+              <a:t>una empresa</a:t>
             </a:r>
             <a:r>
               <a:rPr lang="es-MX" dirty="0"/>
-              <a:t>para el correcto funcionamiento de su sistema de </a:t>
+              <a:t>: control económico financiero, </a:t>
             </a:r>
             <a:r>
               <a:rPr lang="es-MX" dirty="0" smtClean="0"/>
-              <a:t>negocio.</a:t>
-            </a:r>
-          </a:p>
-          <a:p>
+              <a:t>logística, producción</a:t>
+            </a:r>
+            <a:r>
+              <a:rPr lang="es-MX" dirty="0"/>
+              <a:t>, mantenimiento, Recursos </a:t>
+            </a:r>
+            <a:r>
+              <a:rPr lang="es-MX" dirty="0" smtClean="0"/>
+              <a:t>Humanos, </a:t>
+            </a:r>
+            <a:r>
+              <a:rPr lang="es-MX" dirty="0"/>
+              <a:t>etc. (Rey, 2010)</a:t>
+            </a:r>
             <a:endParaRPr lang="es-MX" dirty="0"/>
           </a:p>
         </p:txBody>
@@ -5985,7 +6097,7 @@
         </p:blipFill>
         <p:spPr>
           <a:xfrm>
-            <a:off x="880659" y="3721995"/>
+            <a:off x="1129781" y="3528812"/>
             <a:ext cx="3845887" cy="2107775"/>
           </a:xfrm>
           <a:prstGeom prst="rect">
@@ -6009,7 +6121,7 @@
         </p:blipFill>
         <p:spPr>
           <a:xfrm>
-            <a:off x="5571022" y="3721995"/>
+            <a:off x="5571022" y="3528812"/>
             <a:ext cx="2858503" cy="2146412"/>
           </a:xfrm>
           <a:prstGeom prst="rect">
@@ -6027,6 +6139,13 @@
   <p:clrMapOvr>
     <a:masterClrMapping/>
   </p:clrMapOvr>
+  <p:timing>
+    <p:tnLst>
+      <p:par>
+        <p:cTn id="1" dur="indefinite" restart="never" nodeType="tmRoot"/>
+      </p:par>
+    </p:tnLst>
+  </p:timing>
 </p:sld>
 </file>
 
@@ -6088,6 +6207,7 @@
           <a:bodyPr/>
           <a:lstStyle/>
           <a:p>
+            <a:pPr algn="just"/>
             <a:r>
               <a:rPr lang="es-MX" dirty="0"/>
               <a:t>Los sistemas ERP (Enterprise </a:t>
@@ -6126,17 +6246,25 @@
             </a:r>
             <a:r>
               <a:rPr lang="es-MX" dirty="0" smtClean="0"/>
-              <a:t>Suárez R.C. </a:t>
-            </a:r>
-            <a:r>
-              <a:rPr lang="es-MX" dirty="0"/>
-              <a:t>2010. SISTEMAS INTEGRADOS DE GESTIÓN (ERP</a:t>
-            </a:r>
-            <a:r>
-              <a:rPr lang="es-MX" dirty="0" smtClean="0"/>
-              <a:t>).</a:t>
-            </a:r>
-            <a:endParaRPr lang="es-MX" dirty="0"/>
+              <a:t>(</a:t>
+            </a:r>
+            <a:r>
+              <a:rPr lang="es-MX" b="1" dirty="0" smtClean="0"/>
+              <a:t>Suárez </a:t>
+            </a:r>
+            <a:r>
+              <a:rPr lang="es-MX" b="1" dirty="0" smtClean="0"/>
+              <a:t>R.C. </a:t>
+            </a:r>
+            <a:r>
+              <a:rPr lang="es-MX" b="1" dirty="0"/>
+              <a:t>2010</a:t>
+            </a:r>
+            <a:r>
+              <a:rPr lang="es-MX" b="1" dirty="0" smtClean="0"/>
+              <a:t>.)</a:t>
+            </a:r>
+            <a:endParaRPr lang="es-MX" b="1" dirty="0"/>
           </a:p>
         </p:txBody>
       </p:sp>
@@ -6156,8 +6284,8 @@
         </p:blipFill>
         <p:spPr>
           <a:xfrm>
-            <a:off x="3090929" y="3349219"/>
-            <a:ext cx="4597758" cy="3418628"/>
+            <a:off x="2821577" y="3157713"/>
+            <a:ext cx="4187842" cy="3113838"/>
           </a:xfrm>
           <a:prstGeom prst="rect">
             <a:avLst/>
@@ -6174,6 +6302,13 @@
   <p:clrMapOvr>
     <a:masterClrMapping/>
   </p:clrMapOvr>
+  <p:timing>
+    <p:tnLst>
+      <p:par>
+        <p:cTn id="1" dur="indefinite" restart="never" nodeType="tmRoot"/>
+      </p:par>
+    </p:tnLst>
+  </p:timing>
 </p:sld>
 </file>
 
@@ -6239,9 +6374,14 @@
           <a:bodyPr/>
           <a:lstStyle/>
           <a:p>
+            <a:pPr algn="just"/>
+            <a:r>
+              <a:rPr lang="es-MX" dirty="0" smtClean="0"/>
+              <a:t>Surgen </a:t>
+            </a:r>
             <a:r>
               <a:rPr lang="es-MX" dirty="0"/>
-              <a:t>Los Sistemas Integrados de Gestión (ERP1) surgen en los años noventa como </a:t>
+              <a:t>en los años noventa como </a:t>
             </a:r>
             <a:r>
               <a:rPr lang="es-MX" dirty="0" smtClean="0"/>
@@ -6313,35 +6453,16 @@
             </a:r>
             <a:r>
               <a:rPr lang="es-MX" dirty="0"/>
-              <a:t>; aplicaciones de gestión de la facturación; etc.</a:t>
-            </a:r>
-          </a:p>
-        </p:txBody>
-      </p:sp>
-      <p:pic>
-        <p:nvPicPr>
-          <p:cNvPr id="4" name="Imagen 3"/>
-          <p:cNvPicPr>
-            <a:picLocks noChangeAspect="1"/>
-          </p:cNvPicPr>
-          <p:nvPr/>
-        </p:nvPicPr>
-        <p:blipFill>
-          <a:blip r:embed="rId2"/>
-          <a:stretch>
-            <a:fillRect/>
-          </a:stretch>
-        </p:blipFill>
-        <p:spPr>
-          <a:xfrm>
-            <a:off x="3575698" y="3992451"/>
-            <a:ext cx="3159953" cy="2048911"/>
-          </a:xfrm>
-          <a:prstGeom prst="rect">
-            <a:avLst/>
-          </a:prstGeom>
-        </p:spPr>
-      </p:pic>
+              <a:t>; aplicaciones de gestión de la facturación; etc</a:t>
+            </a:r>
+            <a:r>
+              <a:rPr lang="es-MX" dirty="0" smtClean="0"/>
+              <a:t>. </a:t>
+            </a:r>
+            <a:endParaRPr lang="es-MX" dirty="0"/>
+          </a:p>
+        </p:txBody>
+      </p:sp>
     </p:spTree>
     <p:extLst>
       <p:ext uri="{BB962C8B-B14F-4D97-AF65-F5344CB8AC3E}">
@@ -6352,6 +6473,351 @@
   <p:clrMapOvr>
     <a:masterClrMapping/>
   </p:clrMapOvr>
+  <p:timing>
+    <p:tnLst>
+      <p:par>
+        <p:cTn id="1" dur="indefinite" restart="never" nodeType="tmRoot"/>
+      </p:par>
+    </p:tnLst>
+  </p:timing>
+</p:sld>
+</file>
+
+<file path=ppt/slides/slide5.xml><?xml version="1.0" encoding="utf-8"?>
+<p:sld xmlns:a="http://schemas.openxmlformats.org/drawingml/2006/main" xmlns:r="http://schemas.openxmlformats.org/officeDocument/2006/relationships" xmlns:p="http://schemas.openxmlformats.org/presentationml/2006/main">
+  <p:cSld>
+    <p:spTree>
+      <p:nvGrpSpPr>
+        <p:cNvPr id="1" name=""/>
+        <p:cNvGrpSpPr/>
+        <p:nvPr/>
+      </p:nvGrpSpPr>
+      <p:grpSpPr>
+        <a:xfrm>
+          <a:off x="0" y="0"/>
+          <a:ext cx="0" cy="0"/>
+          <a:chOff x="0" y="0"/>
+          <a:chExt cx="0" cy="0"/>
+        </a:xfrm>
+      </p:grpSpPr>
+      <p:sp>
+        <p:nvSpPr>
+          <p:cNvPr id="2" name="Título 1"/>
+          <p:cNvSpPr>
+            <a:spLocks noGrp="1"/>
+          </p:cNvSpPr>
+          <p:nvPr>
+            <p:ph type="title"/>
+          </p:nvPr>
+        </p:nvSpPr>
+        <p:spPr/>
+        <p:txBody>
+          <a:bodyPr>
+            <a:normAutofit/>
+          </a:bodyPr>
+          <a:lstStyle/>
+          <a:p>
+            <a:pPr algn="ctr"/>
+            <a:r>
+              <a:rPr lang="es-MX" sz="4800" dirty="0" smtClean="0"/>
+              <a:t>Características</a:t>
+            </a:r>
+            <a:endParaRPr lang="es-MX" sz="4800" dirty="0"/>
+          </a:p>
+        </p:txBody>
+      </p:sp>
+      <p:sp>
+        <p:nvSpPr>
+          <p:cNvPr id="3" name="Marcador de contenido 2"/>
+          <p:cNvSpPr>
+            <a:spLocks noGrp="1"/>
+          </p:cNvSpPr>
+          <p:nvPr>
+            <p:ph idx="1"/>
+          </p:nvPr>
+        </p:nvSpPr>
+        <p:spPr/>
+        <p:txBody>
+          <a:bodyPr/>
+          <a:lstStyle/>
+          <a:p>
+            <a:pPr algn="just"/>
+            <a:r>
+              <a:rPr lang="es-MX" b="1" dirty="0"/>
+              <a:t>Integridad:</a:t>
+            </a:r>
+            <a:r>
+              <a:rPr lang="es-MX" dirty="0"/>
+              <a:t> Los ERP permiten controlar los diferentes procesos de la compañía bajo </a:t>
+            </a:r>
+            <a:r>
+              <a:rPr lang="es-MX" dirty="0" smtClean="0"/>
+              <a:t>la óptica </a:t>
+            </a:r>
+            <a:r>
+              <a:rPr lang="es-MX" dirty="0"/>
+              <a:t>de que todos los departamentos de una empresa se relacionan entre sí, </a:t>
+            </a:r>
+            <a:r>
+              <a:rPr lang="es-MX" dirty="0" smtClean="0"/>
+              <a:t>es decir</a:t>
+            </a:r>
+            <a:r>
+              <a:rPr lang="es-MX" dirty="0"/>
+              <a:t>, que el resultado de un proceso es punto de inicio del siguiente</a:t>
+            </a:r>
+            <a:r>
+              <a:rPr lang="es-MX" dirty="0" smtClean="0"/>
+              <a:t>.</a:t>
+            </a:r>
+          </a:p>
+          <a:p>
+            <a:pPr algn="just"/>
+            <a:r>
+              <a:rPr lang="es-MX" b="1" dirty="0"/>
+              <a:t>Modularidad: </a:t>
+            </a:r>
+            <a:r>
+              <a:rPr lang="es-MX" dirty="0"/>
+              <a:t>Los ERP entienden que una empresa es un conjunto de </a:t>
+            </a:r>
+            <a:r>
+              <a:rPr lang="es-MX" dirty="0" smtClean="0"/>
+              <a:t>departamentos que </a:t>
+            </a:r>
+            <a:r>
+              <a:rPr lang="es-MX" dirty="0"/>
+              <a:t>se encuentran interrelacionados por la información que comparten y que </a:t>
+            </a:r>
+            <a:r>
+              <a:rPr lang="es-MX" dirty="0" smtClean="0"/>
+              <a:t>se genera </a:t>
+            </a:r>
+            <a:r>
+              <a:rPr lang="es-MX" dirty="0"/>
+              <a:t>a partir de sus procesos</a:t>
+            </a:r>
+            <a:r>
+              <a:rPr lang="es-MX" dirty="0" smtClean="0"/>
+              <a:t>.</a:t>
+            </a:r>
+          </a:p>
+          <a:p>
+            <a:pPr algn="just"/>
+            <a:r>
+              <a:rPr lang="es-MX" b="1" dirty="0"/>
+              <a:t>Adaptabilidad: </a:t>
+            </a:r>
+            <a:r>
+              <a:rPr lang="es-MX" dirty="0"/>
+              <a:t>Los ERP están creados para adaptarse a la idiosincrasia de </a:t>
+            </a:r>
+            <a:r>
+              <a:rPr lang="es-MX" dirty="0" smtClean="0"/>
+              <a:t>cada empresa</a:t>
+            </a:r>
+            <a:r>
+              <a:rPr lang="es-MX" dirty="0"/>
+              <a:t>. Esto se logra por medio de la configuración o parametrización de </a:t>
+            </a:r>
+            <a:r>
+              <a:rPr lang="es-MX" dirty="0" smtClean="0"/>
+              <a:t>los procesos </a:t>
+            </a:r>
+            <a:r>
+              <a:rPr lang="es-MX" dirty="0"/>
+              <a:t>de acuerdo con las salidas que se necesiten de cada </a:t>
+            </a:r>
+            <a:r>
+              <a:rPr lang="es-MX" dirty="0" smtClean="0"/>
+              <a:t>uno</a:t>
+            </a:r>
+            <a:r>
+              <a:rPr lang="es-MX" dirty="0"/>
+              <a:t>. (Sistemas ERP (</a:t>
+            </a:r>
+            <a:r>
+              <a:rPr lang="es-MX" dirty="0" err="1"/>
+              <a:t>s.f</a:t>
+            </a:r>
+            <a:r>
+              <a:rPr lang="es-MX" dirty="0"/>
+              <a:t>))</a:t>
+            </a:r>
+          </a:p>
+          <a:p>
+            <a:pPr algn="just"/>
+            <a:endParaRPr lang="es-MX" dirty="0"/>
+          </a:p>
+        </p:txBody>
+      </p:sp>
+    </p:spTree>
+    <p:extLst>
+      <p:ext uri="{BB962C8B-B14F-4D97-AF65-F5344CB8AC3E}">
+        <p14:creationId xmlns:p14="http://schemas.microsoft.com/office/powerpoint/2010/main" val="789032199"/>
+      </p:ext>
+    </p:extLst>
+  </p:cSld>
+  <p:clrMapOvr>
+    <a:masterClrMapping/>
+  </p:clrMapOvr>
+  <p:timing>
+    <p:tnLst>
+      <p:par>
+        <p:cTn id="1" dur="indefinite" restart="never" nodeType="tmRoot"/>
+      </p:par>
+    </p:tnLst>
+  </p:timing>
+</p:sld>
+</file>
+
+<file path=ppt/slides/slide6.xml><?xml version="1.0" encoding="utf-8"?>
+<p:sld xmlns:a="http://schemas.openxmlformats.org/drawingml/2006/main" xmlns:r="http://schemas.openxmlformats.org/officeDocument/2006/relationships" xmlns:p="http://schemas.openxmlformats.org/presentationml/2006/main">
+  <p:cSld>
+    <p:spTree>
+      <p:nvGrpSpPr>
+        <p:cNvPr id="1" name=""/>
+        <p:cNvGrpSpPr/>
+        <p:nvPr/>
+      </p:nvGrpSpPr>
+      <p:grpSpPr>
+        <a:xfrm>
+          <a:off x="0" y="0"/>
+          <a:ext cx="0" cy="0"/>
+          <a:chOff x="0" y="0"/>
+          <a:chExt cx="0" cy="0"/>
+        </a:xfrm>
+      </p:grpSpPr>
+      <p:sp>
+        <p:nvSpPr>
+          <p:cNvPr id="2" name="Título 1"/>
+          <p:cNvSpPr>
+            <a:spLocks noGrp="1"/>
+          </p:cNvSpPr>
+          <p:nvPr>
+            <p:ph type="title"/>
+          </p:nvPr>
+        </p:nvSpPr>
+        <p:spPr/>
+        <p:txBody>
+          <a:bodyPr/>
+          <a:lstStyle/>
+          <a:p>
+            <a:pPr algn="ctr"/>
+            <a:r>
+              <a:rPr lang="es-MX" dirty="0" smtClean="0"/>
+              <a:t>Referencias</a:t>
+            </a:r>
+            <a:endParaRPr lang="es-MX" dirty="0"/>
+          </a:p>
+        </p:txBody>
+      </p:sp>
+      <p:sp>
+        <p:nvSpPr>
+          <p:cNvPr id="3" name="Marcador de contenido 2"/>
+          <p:cNvSpPr>
+            <a:spLocks noGrp="1"/>
+          </p:cNvSpPr>
+          <p:nvPr>
+            <p:ph idx="1"/>
+          </p:nvPr>
+        </p:nvSpPr>
+        <p:spPr/>
+        <p:txBody>
+          <a:bodyPr/>
+          <a:lstStyle/>
+          <a:p>
+            <a:r>
+              <a:rPr lang="es-MX" b="1" dirty="0"/>
+              <a:t>Suárez R.C. </a:t>
+            </a:r>
+            <a:r>
+              <a:rPr lang="es-MX" b="1" dirty="0" smtClean="0"/>
+              <a:t>2010. </a:t>
+            </a:r>
+            <a:r>
+              <a:rPr lang="es-MX" dirty="0" smtClean="0"/>
+              <a:t>SISTEMAS </a:t>
+            </a:r>
+            <a:r>
+              <a:rPr lang="es-MX" dirty="0"/>
+              <a:t>INTEGRADOS DE GESTIÓN (ERP</a:t>
+            </a:r>
+            <a:r>
+              <a:rPr lang="es-MX" dirty="0" smtClean="0"/>
+              <a:t>).</a:t>
+            </a:r>
+          </a:p>
+          <a:p>
+            <a:r>
+              <a:rPr lang="es-MX" b="1" dirty="0"/>
+              <a:t>Rey, C. S. (2010). sistemas de </a:t>
+            </a:r>
+            <a:r>
+              <a:rPr lang="es-MX" b="1" dirty="0" smtClean="0"/>
+              <a:t>planificación </a:t>
+            </a:r>
+            <a:r>
+              <a:rPr lang="es-MX" b="1" dirty="0"/>
+              <a:t>de los recursos de la empresa, 18.</a:t>
+            </a:r>
+          </a:p>
+          <a:p>
+            <a:r>
+              <a:rPr lang="es-MX" dirty="0"/>
+              <a:t>(Sistemas ERP (</a:t>
+            </a:r>
+            <a:r>
+              <a:rPr lang="es-MX" dirty="0" err="1"/>
+              <a:t>s.f</a:t>
+            </a:r>
+            <a:r>
+              <a:rPr lang="es-MX" dirty="0" smtClean="0"/>
+              <a:t>)) </a:t>
+            </a:r>
+            <a:r>
+              <a:rPr lang="es-MX" dirty="0" smtClean="0">
+                <a:solidFill>
+                  <a:schemeClr val="tx1"/>
+                </a:solidFill>
+              </a:rPr>
+              <a:t>http</a:t>
+            </a:r>
+            <a:r>
+              <a:rPr lang="es-MX" dirty="0">
+                <a:solidFill>
+                  <a:schemeClr val="tx1"/>
+                </a:solidFill>
+              </a:rPr>
+              <a:t>://bibing.us.es/proyectos/abreproy/5100/fichero/02+Sistemas+ERP.pdf</a:t>
+            </a:r>
+          </a:p>
+          <a:p>
+            <a:endParaRPr lang="es-MX" dirty="0">
+              <a:solidFill>
+                <a:schemeClr val="tx1"/>
+              </a:solidFill>
+            </a:endParaRPr>
+          </a:p>
+        </p:txBody>
+      </p:sp>
+    </p:spTree>
+    <p:extLst>
+      <p:ext uri="{BB962C8B-B14F-4D97-AF65-F5344CB8AC3E}">
+        <p14:creationId xmlns:p14="http://schemas.microsoft.com/office/powerpoint/2010/main" val="3272506603"/>
+      </p:ext>
+    </p:extLst>
+  </p:cSld>
+  <p:clrMapOvr>
+    <a:masterClrMapping/>
+  </p:clrMapOvr>
+  <p:timing>
+    <p:tnLst>
+      <p:par>
+        <p:cTn id="1" dur="indefinite" restart="never" nodeType="tmRoot"/>
+      </p:par>
+    </p:tnLst>
+  </p:timing>
 </p:sld>
 </file>
 
